--- a/Netflix_Content_Analysis.pptx
+++ b/Netflix_Content_Analysis.pptx
@@ -3185,14 +3185,14 @@
               </a:defRPr>
             </a:pPr>
             <a:r>
-              <a:t>Movies vs. TV Shows</a:t>
+              <a:t>Top Genres</a:t>
             </a:r>
           </a:p>
         </p:txBody>
       </p:sp>
       <p:pic>
         <p:nvPicPr>
-          <p:cNvPr id="3" name="Picture 2" descr="content_types.png"/>
+          <p:cNvPr id="3" name="Picture 2" descr="top_genres.png"/>
           <p:cNvPicPr>
             <a:picLocks noChangeAspect="1"/>
           </p:cNvPicPr>
@@ -3255,14 +3255,14 @@
               </a:defRPr>
             </a:pPr>
             <a:r>
-              <a:t>Top 10 Countries Producing Netflix Content</a:t>
+              <a:t>Rating Distribution</a:t>
             </a:r>
           </a:p>
         </p:txBody>
       </p:sp>
       <p:pic>
         <p:nvPicPr>
-          <p:cNvPr id="3" name="Picture 2" descr="top_countries.png"/>
+          <p:cNvPr id="3" name="Picture 2" descr="rating_distribution.png"/>
           <p:cNvPicPr>
             <a:picLocks noChangeAspect="1"/>
           </p:cNvPicPr>
@@ -3325,7 +3325,7 @@
               </a:defRPr>
             </a:pPr>
             <a:r>
-              <a:t>Content Added by Year</a:t>
+              <a:t>Content By Year</a:t>
             </a:r>
           </a:p>
         </p:txBody>
@@ -3395,14 +3395,14 @@
               </a:defRPr>
             </a:pPr>
             <a:r>
-              <a:t>Top 10 Genres on Netflix</a:t>
+              <a:t>Content Types</a:t>
             </a:r>
           </a:p>
         </p:txBody>
       </p:sp>
       <p:pic>
         <p:nvPicPr>
-          <p:cNvPr id="3" name="Picture 2" descr="top_genres.png"/>
+          <p:cNvPr id="3" name="Picture 2" descr="content_types.png"/>
           <p:cNvPicPr>
             <a:picLocks noChangeAspect="1"/>
           </p:cNvPicPr>
@@ -3465,7 +3465,7 @@
               </a:defRPr>
             </a:pPr>
             <a:r>
-              <a:t>Distribution of Movie Durations</a:t>
+              <a:t>Movie Duration Dist</a:t>
             </a:r>
           </a:p>
         </p:txBody>
@@ -3535,14 +3535,14 @@
               </a:defRPr>
             </a:pPr>
             <a:r>
-              <a:t>Movie Duration vs. Release Year</a:t>
+              <a:t>Top Countries</a:t>
             </a:r>
           </a:p>
         </p:txBody>
       </p:sp>
       <p:pic>
         <p:nvPicPr>
-          <p:cNvPr id="3" name="Picture 2" descr="duration_vs_year.png"/>
+          <p:cNvPr id="3" name="Picture 2" descr="top_countries.png"/>
           <p:cNvPicPr>
             <a:picLocks noChangeAspect="1"/>
           </p:cNvPicPr>
@@ -3605,14 +3605,14 @@
               </a:defRPr>
             </a:pPr>
             <a:r>
-              <a:t>Distribution of Content Ratings</a:t>
+              <a:t>Duration Vs Year</a:t>
             </a:r>
           </a:p>
         </p:txBody>
       </p:sp>
       <p:pic>
         <p:nvPicPr>
-          <p:cNvPr id="3" name="Picture 2" descr="rating_distribution.png"/>
+          <p:cNvPr id="3" name="Picture 2" descr="duration_vs_year.png"/>
           <p:cNvPicPr>
             <a:picLocks noChangeAspect="1"/>
           </p:cNvPicPr>
